--- a/Slides/Slides-04-Introduction_to_Valtools/Slides-04-02-The_Validation_Report/Slides-04-02-The_Validation_Report.pptx
+++ b/Slides/Slides-04-Introduction_to_Valtools/Slides-04-02-The_Validation_Report/Slides-04-02-The_Validation_Report.pptx
@@ -5,7 +5,7 @@
     <p:sldMasterId id="2147483673" r:id="rId4"/>
   </p:sldMasterIdLst>
   <p:notesMasterIdLst>
-    <p:notesMasterId r:id="rId12"/>
+    <p:notesMasterId r:id="rId17"/>
   </p:notesMasterIdLst>
   <p:sldIdLst>
     <p:sldId id="257" r:id="rId5"/>
@@ -14,7 +14,12 @@
     <p:sldId id="394" r:id="rId8"/>
     <p:sldId id="381" r:id="rId9"/>
     <p:sldId id="395" r:id="rId10"/>
-    <p:sldId id="330" r:id="rId11"/>
+    <p:sldId id="396" r:id="rId11"/>
+    <p:sldId id="397" r:id="rId12"/>
+    <p:sldId id="398" r:id="rId13"/>
+    <p:sldId id="399" r:id="rId14"/>
+    <p:sldId id="400" r:id="rId15"/>
+    <p:sldId id="330" r:id="rId16"/>
   </p:sldIdLst>
   <p:sldSz cx="12192000" cy="6858000"/>
   <p:notesSz cx="6858000" cy="9144000"/>
@@ -566,6 +571,275 @@
 </p:notes>
 </file>
 
+<file path=ppt/notesSlides/notesSlide10.xml><?xml version="1.0" encoding="utf-8"?>
+<p:notes xmlns:a="http://schemas.openxmlformats.org/drawingml/2006/main" xmlns:r="http://schemas.openxmlformats.org/officeDocument/2006/relationships" xmlns:p="http://schemas.openxmlformats.org/presentationml/2006/main">
+  <p:cSld>
+    <p:spTree>
+      <p:nvGrpSpPr>
+        <p:cNvPr id="1" name=""/>
+        <p:cNvGrpSpPr/>
+        <p:nvPr/>
+      </p:nvGrpSpPr>
+      <p:grpSpPr>
+        <a:xfrm>
+          <a:off x="0" y="0"/>
+          <a:ext cx="0" cy="0"/>
+          <a:chOff x="0" y="0"/>
+          <a:chExt cx="0" cy="0"/>
+        </a:xfrm>
+      </p:grpSpPr>
+      <p:sp>
+        <p:nvSpPr>
+          <p:cNvPr id="2" name="Slide Image Placeholder 1"/>
+          <p:cNvSpPr>
+            <a:spLocks noGrp="1" noRot="1" noChangeAspect="1"/>
+          </p:cNvSpPr>
+          <p:nvPr>
+            <p:ph type="sldImg"/>
+          </p:nvPr>
+        </p:nvSpPr>
+        <p:spPr/>
+      </p:sp>
+      <p:sp>
+        <p:nvSpPr>
+          <p:cNvPr id="3" name="Notes Placeholder 2"/>
+          <p:cNvSpPr>
+            <a:spLocks noGrp="1"/>
+          </p:cNvSpPr>
+          <p:nvPr>
+            <p:ph type="body" idx="1"/>
+          </p:nvPr>
+        </p:nvSpPr>
+        <p:spPr/>
+        <p:txBody>
+          <a:bodyPr/>
+          <a:lstStyle/>
+          <a:p>
+            <a:endParaRPr lang="en-US" dirty="0"/>
+          </a:p>
+        </p:txBody>
+      </p:sp>
+      <p:sp>
+        <p:nvSpPr>
+          <p:cNvPr id="4" name="Slide Number Placeholder 3"/>
+          <p:cNvSpPr>
+            <a:spLocks noGrp="1"/>
+          </p:cNvSpPr>
+          <p:nvPr>
+            <p:ph type="sldNum" sz="quarter" idx="5"/>
+          </p:nvPr>
+        </p:nvSpPr>
+        <p:spPr/>
+        <p:txBody>
+          <a:bodyPr/>
+          <a:lstStyle/>
+          <a:p>
+            <a:fld id="{B9F26414-4BE6-427A-9F34-1430B41B92D6}" type="slidenum">
+              <a:rPr lang="en-US" smtClean="0"/>
+              <a:t>10</a:t>
+            </a:fld>
+            <a:endParaRPr lang="en-US"/>
+          </a:p>
+        </p:txBody>
+      </p:sp>
+    </p:spTree>
+    <p:extLst>
+      <p:ext uri="{BB962C8B-B14F-4D97-AF65-F5344CB8AC3E}">
+        <p14:creationId xmlns:p14="http://schemas.microsoft.com/office/powerpoint/2010/main" val="552846566"/>
+      </p:ext>
+    </p:extLst>
+  </p:cSld>
+  <p:clrMapOvr>
+    <a:masterClrMapping/>
+  </p:clrMapOvr>
+</p:notes>
+</file>
+
+<file path=ppt/notesSlides/notesSlide11.xml><?xml version="1.0" encoding="utf-8"?>
+<p:notes xmlns:a="http://schemas.openxmlformats.org/drawingml/2006/main" xmlns:r="http://schemas.openxmlformats.org/officeDocument/2006/relationships" xmlns:p="http://schemas.openxmlformats.org/presentationml/2006/main">
+  <p:cSld>
+    <p:spTree>
+      <p:nvGrpSpPr>
+        <p:cNvPr id="1" name=""/>
+        <p:cNvGrpSpPr/>
+        <p:nvPr/>
+      </p:nvGrpSpPr>
+      <p:grpSpPr>
+        <a:xfrm>
+          <a:off x="0" y="0"/>
+          <a:ext cx="0" cy="0"/>
+          <a:chOff x="0" y="0"/>
+          <a:chExt cx="0" cy="0"/>
+        </a:xfrm>
+      </p:grpSpPr>
+      <p:sp>
+        <p:nvSpPr>
+          <p:cNvPr id="2" name="Slide Image Placeholder 1"/>
+          <p:cNvSpPr>
+            <a:spLocks noGrp="1" noRot="1" noChangeAspect="1"/>
+          </p:cNvSpPr>
+          <p:nvPr>
+            <p:ph type="sldImg"/>
+          </p:nvPr>
+        </p:nvSpPr>
+        <p:spPr/>
+      </p:sp>
+      <p:sp>
+        <p:nvSpPr>
+          <p:cNvPr id="3" name="Notes Placeholder 2"/>
+          <p:cNvSpPr>
+            <a:spLocks noGrp="1"/>
+          </p:cNvSpPr>
+          <p:nvPr>
+            <p:ph type="body" idx="1"/>
+          </p:nvPr>
+        </p:nvSpPr>
+        <p:spPr/>
+        <p:txBody>
+          <a:bodyPr/>
+          <a:lstStyle/>
+          <a:p>
+            <a:pPr marL="0" marR="0" lvl="0" indent="0" algn="l" defTabSz="914400" rtl="0" eaLnBrk="1" fontAlgn="auto" latinLnBrk="0" hangingPunct="1">
+              <a:lnSpc>
+                <a:spcPct val="100000"/>
+              </a:lnSpc>
+              <a:spcBef>
+                <a:spcPts val="0"/>
+              </a:spcBef>
+              <a:spcAft>
+                <a:spcPts val="0"/>
+              </a:spcAft>
+              <a:buClrTx/>
+              <a:buSzTx/>
+              <a:buFontTx/>
+              <a:buNone/>
+              <a:tabLst/>
+              <a:defRPr/>
+            </a:pPr>
+            <a:endParaRPr lang="en-US" dirty="0"/>
+          </a:p>
+        </p:txBody>
+      </p:sp>
+      <p:sp>
+        <p:nvSpPr>
+          <p:cNvPr id="4" name="Slide Number Placeholder 3"/>
+          <p:cNvSpPr>
+            <a:spLocks noGrp="1"/>
+          </p:cNvSpPr>
+          <p:nvPr>
+            <p:ph type="sldNum" sz="quarter" idx="5"/>
+          </p:nvPr>
+        </p:nvSpPr>
+        <p:spPr/>
+        <p:txBody>
+          <a:bodyPr/>
+          <a:lstStyle/>
+          <a:p>
+            <a:fld id="{B9F26414-4BE6-427A-9F34-1430B41B92D6}" type="slidenum">
+              <a:rPr lang="en-US" smtClean="0"/>
+              <a:t>11</a:t>
+            </a:fld>
+            <a:endParaRPr lang="en-US"/>
+          </a:p>
+        </p:txBody>
+      </p:sp>
+    </p:spTree>
+    <p:extLst>
+      <p:ext uri="{BB962C8B-B14F-4D97-AF65-F5344CB8AC3E}">
+        <p14:creationId xmlns:p14="http://schemas.microsoft.com/office/powerpoint/2010/main" val="4270333544"/>
+      </p:ext>
+    </p:extLst>
+  </p:cSld>
+  <p:clrMapOvr>
+    <a:masterClrMapping/>
+  </p:clrMapOvr>
+</p:notes>
+</file>
+
+<file path=ppt/notesSlides/notesSlide12.xml><?xml version="1.0" encoding="utf-8"?>
+<p:notes xmlns:a="http://schemas.openxmlformats.org/drawingml/2006/main" xmlns:r="http://schemas.openxmlformats.org/officeDocument/2006/relationships" xmlns:p="http://schemas.openxmlformats.org/presentationml/2006/main">
+  <p:cSld>
+    <p:spTree>
+      <p:nvGrpSpPr>
+        <p:cNvPr id="1" name=""/>
+        <p:cNvGrpSpPr/>
+        <p:nvPr/>
+      </p:nvGrpSpPr>
+      <p:grpSpPr>
+        <a:xfrm>
+          <a:off x="0" y="0"/>
+          <a:ext cx="0" cy="0"/>
+          <a:chOff x="0" y="0"/>
+          <a:chExt cx="0" cy="0"/>
+        </a:xfrm>
+      </p:grpSpPr>
+      <p:sp>
+        <p:nvSpPr>
+          <p:cNvPr id="2" name="Slide Image Placeholder 1"/>
+          <p:cNvSpPr>
+            <a:spLocks noGrp="1" noRot="1" noChangeAspect="1"/>
+          </p:cNvSpPr>
+          <p:nvPr>
+            <p:ph type="sldImg"/>
+          </p:nvPr>
+        </p:nvSpPr>
+        <p:spPr/>
+      </p:sp>
+      <p:sp>
+        <p:nvSpPr>
+          <p:cNvPr id="3" name="Notes Placeholder 2"/>
+          <p:cNvSpPr>
+            <a:spLocks noGrp="1"/>
+          </p:cNvSpPr>
+          <p:nvPr>
+            <p:ph type="body" idx="1"/>
+          </p:nvPr>
+        </p:nvSpPr>
+        <p:spPr/>
+        <p:txBody>
+          <a:bodyPr/>
+          <a:lstStyle/>
+          <a:p>
+            <a:endParaRPr lang="en-US" dirty="0"/>
+          </a:p>
+        </p:txBody>
+      </p:sp>
+      <p:sp>
+        <p:nvSpPr>
+          <p:cNvPr id="4" name="Slide Number Placeholder 3"/>
+          <p:cNvSpPr>
+            <a:spLocks noGrp="1"/>
+          </p:cNvSpPr>
+          <p:nvPr>
+            <p:ph type="sldNum" sz="quarter" idx="5"/>
+          </p:nvPr>
+        </p:nvSpPr>
+        <p:spPr/>
+        <p:txBody>
+          <a:bodyPr/>
+          <a:lstStyle/>
+          <a:p>
+            <a:fld id="{B9F26414-4BE6-427A-9F34-1430B41B92D6}" type="slidenum">
+              <a:rPr lang="en-US" smtClean="0"/>
+              <a:t>12</a:t>
+            </a:fld>
+            <a:endParaRPr lang="en-US"/>
+          </a:p>
+        </p:txBody>
+      </p:sp>
+    </p:spTree>
+    <p:extLst>
+      <p:ext uri="{BB962C8B-B14F-4D97-AF65-F5344CB8AC3E}">
+        <p14:creationId xmlns:p14="http://schemas.microsoft.com/office/powerpoint/2010/main" val="553560941"/>
+      </p:ext>
+    </p:extLst>
+  </p:cSld>
+  <p:clrMapOvr>
+    <a:masterClrMapping/>
+  </p:clrMapOvr>
+</p:notes>
+</file>
+
 <file path=ppt/notesSlides/notesSlide2.xml><?xml version="1.0" encoding="utf-8"?>
 <p:notes xmlns:a="http://schemas.openxmlformats.org/drawingml/2006/main" xmlns:r="http://schemas.openxmlformats.org/officeDocument/2006/relationships" xmlns:p="http://schemas.openxmlformats.org/presentationml/2006/main">
   <p:cSld>
@@ -1128,7 +1402,209 @@
     </p:spTree>
     <p:extLst>
       <p:ext uri="{BB962C8B-B14F-4D97-AF65-F5344CB8AC3E}">
-        <p14:creationId xmlns:p14="http://schemas.microsoft.com/office/powerpoint/2010/main" val="553560941"/>
+        <p14:creationId xmlns:p14="http://schemas.microsoft.com/office/powerpoint/2010/main" val="4199574331"/>
+      </p:ext>
+    </p:extLst>
+  </p:cSld>
+  <p:clrMapOvr>
+    <a:masterClrMapping/>
+  </p:clrMapOvr>
+</p:notes>
+</file>
+
+<file path=ppt/notesSlides/notesSlide8.xml><?xml version="1.0" encoding="utf-8"?>
+<p:notes xmlns:a="http://schemas.openxmlformats.org/drawingml/2006/main" xmlns:r="http://schemas.openxmlformats.org/officeDocument/2006/relationships" xmlns:p="http://schemas.openxmlformats.org/presentationml/2006/main">
+  <p:cSld>
+    <p:spTree>
+      <p:nvGrpSpPr>
+        <p:cNvPr id="1" name=""/>
+        <p:cNvGrpSpPr/>
+        <p:nvPr/>
+      </p:nvGrpSpPr>
+      <p:grpSpPr>
+        <a:xfrm>
+          <a:off x="0" y="0"/>
+          <a:ext cx="0" cy="0"/>
+          <a:chOff x="0" y="0"/>
+          <a:chExt cx="0" cy="0"/>
+        </a:xfrm>
+      </p:grpSpPr>
+      <p:sp>
+        <p:nvSpPr>
+          <p:cNvPr id="2" name="Slide Image Placeholder 1"/>
+          <p:cNvSpPr>
+            <a:spLocks noGrp="1" noRot="1" noChangeAspect="1"/>
+          </p:cNvSpPr>
+          <p:nvPr>
+            <p:ph type="sldImg"/>
+          </p:nvPr>
+        </p:nvSpPr>
+        <p:spPr/>
+      </p:sp>
+      <p:sp>
+        <p:nvSpPr>
+          <p:cNvPr id="3" name="Notes Placeholder 2"/>
+          <p:cNvSpPr>
+            <a:spLocks noGrp="1"/>
+          </p:cNvSpPr>
+          <p:nvPr>
+            <p:ph type="body" idx="1"/>
+          </p:nvPr>
+        </p:nvSpPr>
+        <p:spPr/>
+        <p:txBody>
+          <a:bodyPr/>
+          <a:lstStyle/>
+          <a:p>
+            <a:pPr marL="0" marR="0" lvl="0" indent="0" algn="l" defTabSz="914400" rtl="0" eaLnBrk="1" fontAlgn="auto" latinLnBrk="0" hangingPunct="1">
+              <a:lnSpc>
+                <a:spcPct val="100000"/>
+              </a:lnSpc>
+              <a:spcBef>
+                <a:spcPts val="0"/>
+              </a:spcBef>
+              <a:spcAft>
+                <a:spcPts val="0"/>
+              </a:spcAft>
+              <a:buClrTx/>
+              <a:buSzTx/>
+              <a:buFontTx/>
+              <a:buNone/>
+              <a:tabLst/>
+              <a:defRPr/>
+            </a:pPr>
+            <a:endParaRPr lang="en-US" dirty="0"/>
+          </a:p>
+        </p:txBody>
+      </p:sp>
+      <p:sp>
+        <p:nvSpPr>
+          <p:cNvPr id="4" name="Slide Number Placeholder 3"/>
+          <p:cNvSpPr>
+            <a:spLocks noGrp="1"/>
+          </p:cNvSpPr>
+          <p:nvPr>
+            <p:ph type="sldNum" sz="quarter" idx="5"/>
+          </p:nvPr>
+        </p:nvSpPr>
+        <p:spPr/>
+        <p:txBody>
+          <a:bodyPr/>
+          <a:lstStyle/>
+          <a:p>
+            <a:fld id="{B9F26414-4BE6-427A-9F34-1430B41B92D6}" type="slidenum">
+              <a:rPr lang="en-US" smtClean="0"/>
+              <a:t>8</a:t>
+            </a:fld>
+            <a:endParaRPr lang="en-US"/>
+          </a:p>
+        </p:txBody>
+      </p:sp>
+    </p:spTree>
+    <p:extLst>
+      <p:ext uri="{BB962C8B-B14F-4D97-AF65-F5344CB8AC3E}">
+        <p14:creationId xmlns:p14="http://schemas.microsoft.com/office/powerpoint/2010/main" val="2557145505"/>
+      </p:ext>
+    </p:extLst>
+  </p:cSld>
+  <p:clrMapOvr>
+    <a:masterClrMapping/>
+  </p:clrMapOvr>
+</p:notes>
+</file>
+
+<file path=ppt/notesSlides/notesSlide9.xml><?xml version="1.0" encoding="utf-8"?>
+<p:notes xmlns:a="http://schemas.openxmlformats.org/drawingml/2006/main" xmlns:r="http://schemas.openxmlformats.org/officeDocument/2006/relationships" xmlns:p="http://schemas.openxmlformats.org/presentationml/2006/main">
+  <p:cSld>
+    <p:spTree>
+      <p:nvGrpSpPr>
+        <p:cNvPr id="1" name=""/>
+        <p:cNvGrpSpPr/>
+        <p:nvPr/>
+      </p:nvGrpSpPr>
+      <p:grpSpPr>
+        <a:xfrm>
+          <a:off x="0" y="0"/>
+          <a:ext cx="0" cy="0"/>
+          <a:chOff x="0" y="0"/>
+          <a:chExt cx="0" cy="0"/>
+        </a:xfrm>
+      </p:grpSpPr>
+      <p:sp>
+        <p:nvSpPr>
+          <p:cNvPr id="2" name="Slide Image Placeholder 1"/>
+          <p:cNvSpPr>
+            <a:spLocks noGrp="1" noRot="1" noChangeAspect="1"/>
+          </p:cNvSpPr>
+          <p:nvPr>
+            <p:ph type="sldImg"/>
+          </p:nvPr>
+        </p:nvSpPr>
+        <p:spPr/>
+      </p:sp>
+      <p:sp>
+        <p:nvSpPr>
+          <p:cNvPr id="3" name="Notes Placeholder 2"/>
+          <p:cNvSpPr>
+            <a:spLocks noGrp="1"/>
+          </p:cNvSpPr>
+          <p:nvPr>
+            <p:ph type="body" idx="1"/>
+          </p:nvPr>
+        </p:nvSpPr>
+        <p:spPr/>
+        <p:txBody>
+          <a:bodyPr/>
+          <a:lstStyle/>
+          <a:p>
+            <a:pPr marL="0" marR="0" lvl="0" indent="0" algn="l" defTabSz="914400" rtl="0" eaLnBrk="1" fontAlgn="auto" latinLnBrk="0" hangingPunct="1">
+              <a:lnSpc>
+                <a:spcPct val="100000"/>
+              </a:lnSpc>
+              <a:spcBef>
+                <a:spcPts val="0"/>
+              </a:spcBef>
+              <a:spcAft>
+                <a:spcPts val="0"/>
+              </a:spcAft>
+              <a:buClrTx/>
+              <a:buSzTx/>
+              <a:buFontTx/>
+              <a:buNone/>
+              <a:tabLst/>
+              <a:defRPr/>
+            </a:pPr>
+            <a:endParaRPr lang="en-US" dirty="0"/>
+          </a:p>
+        </p:txBody>
+      </p:sp>
+      <p:sp>
+        <p:nvSpPr>
+          <p:cNvPr id="4" name="Slide Number Placeholder 3"/>
+          <p:cNvSpPr>
+            <a:spLocks noGrp="1"/>
+          </p:cNvSpPr>
+          <p:nvPr>
+            <p:ph type="sldNum" sz="quarter" idx="5"/>
+          </p:nvPr>
+        </p:nvSpPr>
+        <p:spPr/>
+        <p:txBody>
+          <a:bodyPr/>
+          <a:lstStyle/>
+          <a:p>
+            <a:fld id="{B9F26414-4BE6-427A-9F34-1430B41B92D6}" type="slidenum">
+              <a:rPr lang="en-US" smtClean="0"/>
+              <a:t>9</a:t>
+            </a:fld>
+            <a:endParaRPr lang="en-US"/>
+          </a:p>
+        </p:txBody>
+      </p:sp>
+    </p:spTree>
+    <p:extLst>
+      <p:ext uri="{BB962C8B-B14F-4D97-AF65-F5344CB8AC3E}">
+        <p14:creationId xmlns:p14="http://schemas.microsoft.com/office/powerpoint/2010/main" val="1561431168"/>
       </p:ext>
     </p:extLst>
   </p:cSld>
@@ -5309,6 +5785,298 @@
 </p:sld>
 </file>
 
+<file path=ppt/slides/slide10.xml><?xml version="1.0" encoding="utf-8"?>
+<p:sld xmlns:a="http://schemas.openxmlformats.org/drawingml/2006/main" xmlns:r="http://schemas.openxmlformats.org/officeDocument/2006/relationships" xmlns:p="http://schemas.openxmlformats.org/presentationml/2006/main">
+  <p:cSld>
+    <p:spTree>
+      <p:nvGrpSpPr>
+        <p:cNvPr id="1" name=""/>
+        <p:cNvGrpSpPr/>
+        <p:nvPr/>
+      </p:nvGrpSpPr>
+      <p:grpSpPr>
+        <a:xfrm>
+          <a:off x="0" y="0"/>
+          <a:ext cx="0" cy="0"/>
+          <a:chOff x="0" y="0"/>
+          <a:chExt cx="0" cy="0"/>
+        </a:xfrm>
+      </p:grpSpPr>
+      <p:sp>
+        <p:nvSpPr>
+          <p:cNvPr id="2" name="Title 1">
+            <a:extLst>
+              <a:ext uri="{FF2B5EF4-FFF2-40B4-BE49-F238E27FC236}">
+                <a16:creationId xmlns:a16="http://schemas.microsoft.com/office/drawing/2014/main" id="{7614332B-4F24-42F4-A704-A6F1183E9470}"/>
+              </a:ext>
+            </a:extLst>
+          </p:cNvPr>
+          <p:cNvSpPr>
+            <a:spLocks noGrp="1"/>
+          </p:cNvSpPr>
+          <p:nvPr>
+            <p:ph type="ctrTitle"/>
+          </p:nvPr>
+        </p:nvSpPr>
+        <p:spPr/>
+        <p:txBody>
+          <a:bodyPr/>
+          <a:lstStyle/>
+          <a:p>
+            <a:r>
+              <a:rPr lang="en-US" dirty="0"/>
+              <a:t>Advanced </a:t>
+            </a:r>
+            <a:r>
+              <a:rPr lang="en-US" dirty="0" err="1"/>
+              <a:t>USage</a:t>
+            </a:r>
+            <a:endParaRPr lang="en-US" dirty="0"/>
+          </a:p>
+        </p:txBody>
+      </p:sp>
+    </p:spTree>
+    <p:extLst>
+      <p:ext uri="{BB962C8B-B14F-4D97-AF65-F5344CB8AC3E}">
+        <p14:creationId xmlns:p14="http://schemas.microsoft.com/office/powerpoint/2010/main" val="3716104895"/>
+      </p:ext>
+    </p:extLst>
+  </p:cSld>
+  <p:clrMapOvr>
+    <a:masterClrMapping/>
+  </p:clrMapOvr>
+</p:sld>
+</file>
+
+<file path=ppt/slides/slide11.xml><?xml version="1.0" encoding="utf-8"?>
+<p:sld xmlns:a="http://schemas.openxmlformats.org/drawingml/2006/main" xmlns:r="http://schemas.openxmlformats.org/officeDocument/2006/relationships" xmlns:p="http://schemas.openxmlformats.org/presentationml/2006/main">
+  <p:cSld>
+    <p:spTree>
+      <p:nvGrpSpPr>
+        <p:cNvPr id="1" name=""/>
+        <p:cNvGrpSpPr/>
+        <p:nvPr/>
+      </p:nvGrpSpPr>
+      <p:grpSpPr>
+        <a:xfrm>
+          <a:off x="0" y="0"/>
+          <a:ext cx="0" cy="0"/>
+          <a:chOff x="0" y="0"/>
+          <a:chExt cx="0" cy="0"/>
+        </a:xfrm>
+      </p:grpSpPr>
+      <p:sp>
+        <p:nvSpPr>
+          <p:cNvPr id="8" name="Title 7">
+            <a:extLst>
+              <a:ext uri="{FF2B5EF4-FFF2-40B4-BE49-F238E27FC236}">
+                <a16:creationId xmlns:a16="http://schemas.microsoft.com/office/drawing/2014/main" id="{6A34AC25-F9D4-48D7-A664-C590D06BF559}"/>
+              </a:ext>
+            </a:extLst>
+          </p:cNvPr>
+          <p:cNvSpPr>
+            <a:spLocks noGrp="1"/>
+          </p:cNvSpPr>
+          <p:nvPr>
+            <p:ph type="title"/>
+          </p:nvPr>
+        </p:nvSpPr>
+        <p:spPr/>
+        <p:txBody>
+          <a:bodyPr/>
+          <a:lstStyle/>
+          <a:p>
+            <a:r>
+              <a:rPr lang="en-US" dirty="0"/>
+              <a:t>Customization options</a:t>
+            </a:r>
+          </a:p>
+        </p:txBody>
+      </p:sp>
+      <p:sp>
+        <p:nvSpPr>
+          <p:cNvPr id="2" name="Content Placeholder 1">
+            <a:extLst>
+              <a:ext uri="{FF2B5EF4-FFF2-40B4-BE49-F238E27FC236}">
+                <a16:creationId xmlns:a16="http://schemas.microsoft.com/office/drawing/2014/main" id="{7D7427A6-1030-45CE-92A8-5212E0F721D8}"/>
+              </a:ext>
+            </a:extLst>
+          </p:cNvPr>
+          <p:cNvSpPr>
+            <a:spLocks noGrp="1"/>
+          </p:cNvSpPr>
+          <p:nvPr>
+            <p:ph idx="1"/>
+          </p:nvPr>
+        </p:nvSpPr>
+        <p:spPr/>
+        <p:txBody>
+          <a:bodyPr/>
+          <a:lstStyle/>
+          <a:p>
+            <a:r>
+              <a:rPr lang="en-US" sz="2400" dirty="0"/>
+              <a:t>Modify the report RMD generated via template</a:t>
+            </a:r>
+          </a:p>
+          <a:p>
+            <a:r>
+              <a:rPr lang="en-US" sz="2400" dirty="0"/>
+              <a:t>Write a report RMD from scratch</a:t>
+            </a:r>
+          </a:p>
+          <a:p>
+            <a:r>
+              <a:rPr lang="en-US" sz="2400" dirty="0"/>
+              <a:t>Propose a new template via {</a:t>
+            </a:r>
+            <a:r>
+              <a:rPr lang="en-US" sz="2400" dirty="0" err="1"/>
+              <a:t>valtools</a:t>
+            </a:r>
+            <a:r>
+              <a:rPr lang="en-US" sz="2400" dirty="0"/>
+              <a:t>} issue/PR </a:t>
+            </a:r>
+          </a:p>
+          <a:p>
+            <a:r>
+              <a:rPr lang="en-US" sz="2400" dirty="0"/>
+              <a:t>Switch between multiple RMDs by updating </a:t>
+            </a:r>
+            <a:r>
+              <a:rPr lang="en-US" sz="2400" dirty="0" err="1"/>
+              <a:t>validation.yml</a:t>
+            </a:r>
+            <a:r>
+              <a:rPr lang="en-US" sz="2400" dirty="0"/>
+              <a:t> as the project cycles through adoption and validation phases</a:t>
+            </a:r>
+          </a:p>
+          <a:p>
+            <a:pPr lvl="1"/>
+            <a:endParaRPr lang="en-US" dirty="0"/>
+          </a:p>
+        </p:txBody>
+      </p:sp>
+    </p:spTree>
+    <p:extLst>
+      <p:ext uri="{BB962C8B-B14F-4D97-AF65-F5344CB8AC3E}">
+        <p14:creationId xmlns:p14="http://schemas.microsoft.com/office/powerpoint/2010/main" val="47551942"/>
+      </p:ext>
+    </p:extLst>
+  </p:cSld>
+  <p:clrMapOvr>
+    <a:masterClrMapping/>
+  </p:clrMapOvr>
+</p:sld>
+</file>
+
+<file path=ppt/slides/slide12.xml><?xml version="1.0" encoding="utf-8"?>
+<p:sld xmlns:a="http://schemas.openxmlformats.org/drawingml/2006/main" xmlns:r="http://schemas.openxmlformats.org/officeDocument/2006/relationships" xmlns:p="http://schemas.openxmlformats.org/presentationml/2006/main">
+  <p:cSld>
+    <p:spTree>
+      <p:nvGrpSpPr>
+        <p:cNvPr id="1" name=""/>
+        <p:cNvGrpSpPr/>
+        <p:nvPr/>
+      </p:nvGrpSpPr>
+      <p:grpSpPr>
+        <a:xfrm>
+          <a:off x="0" y="0"/>
+          <a:ext cx="0" cy="0"/>
+          <a:chOff x="0" y="0"/>
+          <a:chExt cx="0" cy="0"/>
+        </a:xfrm>
+      </p:grpSpPr>
+      <p:sp>
+        <p:nvSpPr>
+          <p:cNvPr id="2" name="Title 1">
+            <a:extLst>
+              <a:ext uri="{FF2B5EF4-FFF2-40B4-BE49-F238E27FC236}">
+                <a16:creationId xmlns:a16="http://schemas.microsoft.com/office/drawing/2014/main" id="{7614332B-4F24-42F4-A704-A6F1183E9470}"/>
+              </a:ext>
+            </a:extLst>
+          </p:cNvPr>
+          <p:cNvSpPr>
+            <a:spLocks noGrp="1"/>
+          </p:cNvSpPr>
+          <p:nvPr>
+            <p:ph type="ctrTitle"/>
+          </p:nvPr>
+        </p:nvSpPr>
+        <p:spPr/>
+        <p:txBody>
+          <a:bodyPr>
+            <a:normAutofit/>
+          </a:bodyPr>
+          <a:lstStyle/>
+          <a:p>
+            <a:r>
+              <a:rPr lang="en-US" dirty="0"/>
+              <a:t>Materials 04-E2</a:t>
+            </a:r>
+          </a:p>
+        </p:txBody>
+      </p:sp>
+      <p:sp>
+        <p:nvSpPr>
+          <p:cNvPr id="3" name="Rectangle 2">
+            <a:extLst>
+              <a:ext uri="{FF2B5EF4-FFF2-40B4-BE49-F238E27FC236}">
+                <a16:creationId xmlns:a16="http://schemas.microsoft.com/office/drawing/2014/main" id="{B700F5C8-C07C-4EBC-BA27-4FA916A5F10D}"/>
+              </a:ext>
+            </a:extLst>
+          </p:cNvPr>
+          <p:cNvSpPr/>
+          <p:nvPr/>
+        </p:nvSpPr>
+        <p:spPr>
+          <a:xfrm>
+            <a:off x="1371685" y="4682062"/>
+            <a:ext cx="9448630" cy="369332"/>
+          </a:xfrm>
+          <a:prstGeom prst="rect">
+            <a:avLst/>
+          </a:prstGeom>
+        </p:spPr>
+        <p:txBody>
+          <a:bodyPr wrap="square">
+            <a:spAutoFit/>
+          </a:bodyPr>
+          <a:lstStyle/>
+          <a:p>
+            <a:pPr algn="ctr"/>
+            <a:r>
+              <a:rPr lang="en-US" dirty="0">
+                <a:solidFill>
+                  <a:srgbClr val="002060"/>
+                </a:solidFill>
+                <a:latin typeface="-apple-system"/>
+              </a:rPr>
+              <a:t>Materials/Materials-04-Introduction_to_Valtools/Materials-04-E02-Validation_Report</a:t>
+            </a:r>
+            <a:endParaRPr lang="en-US" dirty="0">
+              <a:solidFill>
+                <a:srgbClr val="002060"/>
+              </a:solidFill>
+            </a:endParaRPr>
+          </a:p>
+        </p:txBody>
+      </p:sp>
+    </p:spTree>
+    <p:extLst>
+      <p:ext uri="{BB962C8B-B14F-4D97-AF65-F5344CB8AC3E}">
+        <p14:creationId xmlns:p14="http://schemas.microsoft.com/office/powerpoint/2010/main" val="901462192"/>
+      </p:ext>
+    </p:extLst>
+  </p:cSld>
+  <p:clrMapOvr>
+    <a:masterClrMapping/>
+  </p:clrMapOvr>
+</p:sld>
+</file>
+
 <file path=ppt/slides/slide2.xml><?xml version="1.0" encoding="utf-8"?>
 <p:sld xmlns:a="http://schemas.openxmlformats.org/drawingml/2006/main" xmlns:r="http://schemas.openxmlformats.org/officeDocument/2006/relationships" xmlns:p="http://schemas.openxmlformats.org/presentationml/2006/main">
   <p:cSld>
@@ -5889,67 +6657,262 @@
         </p:nvSpPr>
         <p:spPr/>
         <p:txBody>
-          <a:bodyPr>
-            <a:normAutofit/>
-          </a:bodyPr>
+          <a:bodyPr/>
           <a:lstStyle/>
           <a:p>
             <a:r>
               <a:rPr lang="en-US" dirty="0"/>
-              <a:t>Materials 04-E2</a:t>
-            </a:r>
-          </a:p>
-        </p:txBody>
-      </p:sp>
-      <p:sp>
-        <p:nvSpPr>
-          <p:cNvPr id="3" name="Rectangle 2">
+              <a:t>Included templates</a:t>
+            </a:r>
+          </a:p>
+        </p:txBody>
+      </p:sp>
+    </p:spTree>
+    <p:extLst>
+      <p:ext uri="{BB962C8B-B14F-4D97-AF65-F5344CB8AC3E}">
+        <p14:creationId xmlns:p14="http://schemas.microsoft.com/office/powerpoint/2010/main" val="4252372198"/>
+      </p:ext>
+    </p:extLst>
+  </p:cSld>
+  <p:clrMapOvr>
+    <a:masterClrMapping/>
+  </p:clrMapOvr>
+</p:sld>
+</file>
+
+<file path=ppt/slides/slide8.xml><?xml version="1.0" encoding="utf-8"?>
+<p:sld xmlns:a="http://schemas.openxmlformats.org/drawingml/2006/main" xmlns:r="http://schemas.openxmlformats.org/officeDocument/2006/relationships" xmlns:p="http://schemas.openxmlformats.org/presentationml/2006/main">
+  <p:cSld>
+    <p:spTree>
+      <p:nvGrpSpPr>
+        <p:cNvPr id="1" name=""/>
+        <p:cNvGrpSpPr/>
+        <p:nvPr/>
+      </p:nvGrpSpPr>
+      <p:grpSpPr>
+        <a:xfrm>
+          <a:off x="0" y="0"/>
+          <a:ext cx="0" cy="0"/>
+          <a:chOff x="0" y="0"/>
+          <a:chExt cx="0" cy="0"/>
+        </a:xfrm>
+      </p:grpSpPr>
+      <p:sp>
+        <p:nvSpPr>
+          <p:cNvPr id="8" name="Title 7">
             <a:extLst>
               <a:ext uri="{FF2B5EF4-FFF2-40B4-BE49-F238E27FC236}">
-                <a16:creationId xmlns:a16="http://schemas.microsoft.com/office/drawing/2014/main" id="{B700F5C8-C07C-4EBC-BA27-4FA916A5F10D}"/>
+                <a16:creationId xmlns:a16="http://schemas.microsoft.com/office/drawing/2014/main" id="{6A34AC25-F9D4-48D7-A664-C590D06BF559}"/>
               </a:ext>
             </a:extLst>
           </p:cNvPr>
-          <p:cNvSpPr/>
-          <p:nvPr/>
-        </p:nvSpPr>
-        <p:spPr>
-          <a:xfrm>
-            <a:off x="1371685" y="4682062"/>
-            <a:ext cx="9448630" cy="369332"/>
-          </a:xfrm>
-          <a:prstGeom prst="rect">
-            <a:avLst/>
-          </a:prstGeom>
-        </p:spPr>
-        <p:txBody>
-          <a:bodyPr wrap="square">
-            <a:spAutoFit/>
-          </a:bodyPr>
+          <p:cNvSpPr>
+            <a:spLocks noGrp="1"/>
+          </p:cNvSpPr>
+          <p:nvPr>
+            <p:ph type="title"/>
+          </p:nvPr>
+        </p:nvSpPr>
+        <p:spPr/>
+        <p:txBody>
+          <a:bodyPr/>
           <a:lstStyle/>
           <a:p>
-            <a:pPr algn="ctr"/>
-            <a:r>
-              <a:rPr lang="en-US" dirty="0">
-                <a:solidFill>
-                  <a:srgbClr val="002060"/>
-                </a:solidFill>
-                <a:latin typeface="-apple-system"/>
-              </a:rPr>
-              <a:t>Materials/Materials-04-Introduction_to_Valtools/Materials-04-E02-Validation_Report</a:t>
-            </a:r>
-            <a:endParaRPr lang="en-US" dirty="0">
-              <a:solidFill>
-                <a:srgbClr val="002060"/>
-              </a:solidFill>
-            </a:endParaRPr>
+            <a:r>
+              <a:rPr lang="en-US" dirty="0"/>
+              <a:t>Requirement Adoption Report</a:t>
+            </a:r>
+          </a:p>
+        </p:txBody>
+      </p:sp>
+      <p:sp>
+        <p:nvSpPr>
+          <p:cNvPr id="2" name="Content Placeholder 1">
+            <a:extLst>
+              <a:ext uri="{FF2B5EF4-FFF2-40B4-BE49-F238E27FC236}">
+                <a16:creationId xmlns:a16="http://schemas.microsoft.com/office/drawing/2014/main" id="{7D7427A6-1030-45CE-92A8-5212E0F721D8}"/>
+              </a:ext>
+            </a:extLst>
+          </p:cNvPr>
+          <p:cNvSpPr>
+            <a:spLocks noGrp="1"/>
+          </p:cNvSpPr>
+          <p:nvPr>
+            <p:ph idx="1"/>
+          </p:nvPr>
+        </p:nvSpPr>
+        <p:spPr/>
+        <p:txBody>
+          <a:bodyPr/>
+          <a:lstStyle/>
+          <a:p>
+            <a:r>
+              <a:rPr lang="en-US" sz="2400" dirty="0"/>
+              <a:t>Signature table looks for users with roles “Validation Lead” and “Tester”, case-insensitive. At least one must be present via </a:t>
+            </a:r>
+            <a:r>
+              <a:rPr lang="en-US" sz="2400" dirty="0" err="1"/>
+              <a:t>validation.yml</a:t>
+            </a:r>
+            <a:r>
+              <a:rPr lang="en-US" sz="2400" dirty="0"/>
+              <a:t>/</a:t>
+            </a:r>
+            <a:r>
+              <a:rPr lang="en-US" sz="2400" dirty="0" err="1"/>
+              <a:t>vt_add_user_to_config</a:t>
+            </a:r>
+            <a:r>
+              <a:rPr lang="en-US" sz="2400" dirty="0"/>
+              <a:t>() </a:t>
+            </a:r>
+          </a:p>
+          <a:p>
+            <a:pPr marL="0" indent="0">
+              <a:buNone/>
+            </a:pPr>
+            <a:endParaRPr lang="en-US" sz="2400" dirty="0"/>
+          </a:p>
+          <a:p>
+            <a:r>
+              <a:rPr lang="en-US" sz="2400" dirty="0"/>
+              <a:t>Only includes Requirement child files by looking for filenames with “req”. Ordering is alphabetical.</a:t>
+            </a:r>
+          </a:p>
+          <a:p>
+            <a:pPr lvl="1"/>
+            <a:endParaRPr lang="en-US" dirty="0"/>
           </a:p>
         </p:txBody>
       </p:sp>
     </p:spTree>
     <p:extLst>
       <p:ext uri="{BB962C8B-B14F-4D97-AF65-F5344CB8AC3E}">
-        <p14:creationId xmlns:p14="http://schemas.microsoft.com/office/powerpoint/2010/main" val="901462192"/>
+        <p14:creationId xmlns:p14="http://schemas.microsoft.com/office/powerpoint/2010/main" val="524372991"/>
+      </p:ext>
+    </p:extLst>
+  </p:cSld>
+  <p:clrMapOvr>
+    <a:masterClrMapping/>
+  </p:clrMapOvr>
+</p:sld>
+</file>
+
+<file path=ppt/slides/slide9.xml><?xml version="1.0" encoding="utf-8"?>
+<p:sld xmlns:a="http://schemas.openxmlformats.org/drawingml/2006/main" xmlns:r="http://schemas.openxmlformats.org/officeDocument/2006/relationships" xmlns:p="http://schemas.openxmlformats.org/presentationml/2006/main">
+  <p:cSld>
+    <p:spTree>
+      <p:nvGrpSpPr>
+        <p:cNvPr id="1" name=""/>
+        <p:cNvGrpSpPr/>
+        <p:nvPr/>
+      </p:nvGrpSpPr>
+      <p:grpSpPr>
+        <a:xfrm>
+          <a:off x="0" y="0"/>
+          <a:ext cx="0" cy="0"/>
+          <a:chOff x="0" y="0"/>
+          <a:chExt cx="0" cy="0"/>
+        </a:xfrm>
+      </p:grpSpPr>
+      <p:sp>
+        <p:nvSpPr>
+          <p:cNvPr id="8" name="Title 7">
+            <a:extLst>
+              <a:ext uri="{FF2B5EF4-FFF2-40B4-BE49-F238E27FC236}">
+                <a16:creationId xmlns:a16="http://schemas.microsoft.com/office/drawing/2014/main" id="{6A34AC25-F9D4-48D7-A664-C590D06BF559}"/>
+              </a:ext>
+            </a:extLst>
+          </p:cNvPr>
+          <p:cNvSpPr>
+            <a:spLocks noGrp="1"/>
+          </p:cNvSpPr>
+          <p:nvPr>
+            <p:ph type="title"/>
+          </p:nvPr>
+        </p:nvSpPr>
+        <p:spPr/>
+        <p:txBody>
+          <a:bodyPr/>
+          <a:lstStyle/>
+          <a:p>
+            <a:r>
+              <a:rPr lang="en-US" dirty="0"/>
+              <a:t>Validation Report </a:t>
+            </a:r>
+          </a:p>
+        </p:txBody>
+      </p:sp>
+      <p:sp>
+        <p:nvSpPr>
+          <p:cNvPr id="2" name="Content Placeholder 1">
+            <a:extLst>
+              <a:ext uri="{FF2B5EF4-FFF2-40B4-BE49-F238E27FC236}">
+                <a16:creationId xmlns:a16="http://schemas.microsoft.com/office/drawing/2014/main" id="{7D7427A6-1030-45CE-92A8-5212E0F721D8}"/>
+              </a:ext>
+            </a:extLst>
+          </p:cNvPr>
+          <p:cNvSpPr>
+            <a:spLocks noGrp="1"/>
+          </p:cNvSpPr>
+          <p:nvPr>
+            <p:ph idx="1"/>
+          </p:nvPr>
+        </p:nvSpPr>
+        <p:spPr/>
+        <p:txBody>
+          <a:bodyPr/>
+          <a:lstStyle/>
+          <a:p>
+            <a:r>
+              <a:rPr lang="en-US" sz="2400" dirty="0"/>
+              <a:t>All users are added to signature table</a:t>
+            </a:r>
+          </a:p>
+          <a:p>
+            <a:r>
+              <a:rPr lang="en-US" sz="2400" dirty="0"/>
+              <a:t>Adds authorship tables for Requirements, Test Case, Test Code, and Functions </a:t>
+            </a:r>
+          </a:p>
+          <a:p>
+            <a:r>
+              <a:rPr lang="en-US" sz="2400" dirty="0"/>
+              <a:t>Adds traceability matrix</a:t>
+            </a:r>
+          </a:p>
+          <a:p>
+            <a:r>
+              <a:rPr lang="en-US" sz="2400" dirty="0"/>
+              <a:t>Includes all child </a:t>
+            </a:r>
+            <a:r>
+              <a:rPr lang="en-US" sz="2400" dirty="0" err="1"/>
+              <a:t>viles</a:t>
+            </a:r>
+            <a:r>
+              <a:rPr lang="en-US" sz="2400" dirty="0"/>
+              <a:t> via </a:t>
+            </a:r>
+            <a:r>
+              <a:rPr lang="en-US" sz="2400" dirty="0" err="1"/>
+              <a:t>vt_get_child_files</a:t>
+            </a:r>
+            <a:r>
+              <a:rPr lang="en-US" sz="2400" dirty="0"/>
+              <a:t>()</a:t>
+            </a:r>
+          </a:p>
+          <a:p>
+            <a:pPr lvl="1"/>
+            <a:endParaRPr lang="en-US" dirty="0"/>
+          </a:p>
+        </p:txBody>
+      </p:sp>
+    </p:spTree>
+    <p:extLst>
+      <p:ext uri="{BB962C8B-B14F-4D97-AF65-F5344CB8AC3E}">
+        <p14:creationId xmlns:p14="http://schemas.microsoft.com/office/powerpoint/2010/main" val="1712410708"/>
       </p:ext>
     </p:extLst>
   </p:cSld>
@@ -6531,24 +7494,6 @@
 </file>
 
 <file path=customXml/item1.xml><?xml version="1.0" encoding="utf-8"?>
-<?mso-contentType ?>
-<FormTemplates xmlns="http://schemas.microsoft.com/sharepoint/v3/contenttype/forms">
-  <Display>DocumentLibraryForm</Display>
-  <Edit>DocumentLibraryForm</Edit>
-  <New>DocumentLibraryForm</New>
-</FormTemplates>
-</file>
-
-<file path=customXml/item2.xml><?xml version="1.0" encoding="utf-8"?>
-<p:properties xmlns:p="http://schemas.microsoft.com/office/2006/metadata/properties" xmlns:xsi="http://www.w3.org/2001/XMLSchema-instance" xmlns:pc="http://schemas.microsoft.com/office/infopath/2007/PartnerControls">
-  <documentManagement>
-    <Status xmlns="71af3243-3dd4-4a8d-8c0d-dd76da1f02a5">Not started</Status>
-    <MediaServiceKeyPoints xmlns="71af3243-3dd4-4a8d-8c0d-dd76da1f02a5" xsi:nil="true"/>
-  </documentManagement>
-</p:properties>
-</file>
-
-<file path=customXml/item3.xml><?xml version="1.0" encoding="utf-8"?>
 <ct:contentTypeSchema xmlns:ct="http://schemas.microsoft.com/office/2006/metadata/contentType" xmlns:ma="http://schemas.microsoft.com/office/2006/metadata/properties/metaAttributes" ct:_="" ma:_="" ma:contentTypeName="Document" ma:contentTypeID="0x01010079F111ED35F8CC479449609E8A0923A6" ma:contentTypeVersion="12" ma:contentTypeDescription="Create a new document." ma:contentTypeScope="" ma:versionID="a410dd7f93c95333ffa1b60ed6adedd1">
   <xsd:schema xmlns:xsd="http://www.w3.org/2001/XMLSchema" xmlns:xs="http://www.w3.org/2001/XMLSchema" xmlns:p="http://schemas.microsoft.com/office/2006/metadata/properties" xmlns:ns2="71af3243-3dd4-4a8d-8c0d-dd76da1f02a5" xmlns:ns3="16c05727-aa75-4e4a-9b5f-8a80a1165891" targetNamespace="http://schemas.microsoft.com/office/2006/metadata/properties" ma:root="true" ma:fieldsID="a936d9baba76aa3866493feff160faab" ns2:_="" ns3:_="">
     <xsd:import namespace="71af3243-3dd4-4a8d-8c0d-dd76da1f02a5"/>
@@ -6769,10 +7714,39 @@
 </ct:contentTypeSchema>
 </file>
 
+<file path=customXml/item2.xml><?xml version="1.0" encoding="utf-8"?>
+<p:properties xmlns:p="http://schemas.microsoft.com/office/2006/metadata/properties" xmlns:xsi="http://www.w3.org/2001/XMLSchema-instance" xmlns:pc="http://schemas.microsoft.com/office/infopath/2007/PartnerControls">
+  <documentManagement>
+    <Status xmlns="71af3243-3dd4-4a8d-8c0d-dd76da1f02a5">Not started</Status>
+    <MediaServiceKeyPoints xmlns="71af3243-3dd4-4a8d-8c0d-dd76da1f02a5" xsi:nil="true"/>
+  </documentManagement>
+</p:properties>
+</file>
+
+<file path=customXml/item3.xml><?xml version="1.0" encoding="utf-8"?>
+<?mso-contentType ?>
+<FormTemplates xmlns="http://schemas.microsoft.com/sharepoint/v3/contenttype/forms">
+  <Display>DocumentLibraryForm</Display>
+  <Edit>DocumentLibraryForm</Edit>
+  <New>DocumentLibraryForm</New>
+</FormTemplates>
+</file>
+
 <file path=customXml/itemProps1.xml><?xml version="1.0" encoding="utf-8"?>
-<ds:datastoreItem xmlns:ds="http://schemas.openxmlformats.org/officeDocument/2006/customXml" ds:itemID="{CDB58277-F8DF-46FF-84EC-EF41B835E69F}">
+<ds:datastoreItem xmlns:ds="http://schemas.openxmlformats.org/officeDocument/2006/customXml" ds:itemID="{2D276E62-80A3-44DD-9BCC-97ED2B99B57F}">
   <ds:schemaRefs>
-    <ds:schemaRef ds:uri="http://schemas.microsoft.com/sharepoint/v3/contenttype/forms"/>
+    <ds:schemaRef ds:uri="http://schemas.microsoft.com/office/2006/metadata/contentType"/>
+    <ds:schemaRef ds:uri="http://schemas.microsoft.com/office/2006/metadata/properties/metaAttributes"/>
+    <ds:schemaRef ds:uri="http://www.w3.org/2001/XMLSchema"/>
+    <ds:schemaRef ds:uri="http://schemas.microsoft.com/office/2006/metadata/properties"/>
+    <ds:schemaRef ds:uri="71af3243-3dd4-4a8d-8c0d-dd76da1f02a5"/>
+    <ds:schemaRef ds:uri="16c05727-aa75-4e4a-9b5f-8a80a1165891"/>
+    <ds:schemaRef ds:uri="http://schemas.microsoft.com/office/2006/documentManagement/types"/>
+    <ds:schemaRef ds:uri="http://schemas.microsoft.com/office/infopath/2007/PartnerControls"/>
+    <ds:schemaRef ds:uri="http://schemas.openxmlformats.org/package/2006/metadata/core-properties"/>
+    <ds:schemaRef ds:uri="http://purl.org/dc/elements/1.1/"/>
+    <ds:schemaRef ds:uri="http://purl.org/dc/terms/"/>
+    <ds:schemaRef ds:uri="http://schemas.microsoft.com/internal/obd"/>
   </ds:schemaRefs>
 </ds:datastoreItem>
 </file>
@@ -6795,20 +7769,9 @@
 </file>
 
 <file path=customXml/itemProps3.xml><?xml version="1.0" encoding="utf-8"?>
-<ds:datastoreItem xmlns:ds="http://schemas.openxmlformats.org/officeDocument/2006/customXml" ds:itemID="{2D276E62-80A3-44DD-9BCC-97ED2B99B57F}">
+<ds:datastoreItem xmlns:ds="http://schemas.openxmlformats.org/officeDocument/2006/customXml" ds:itemID="{CDB58277-F8DF-46FF-84EC-EF41B835E69F}">
   <ds:schemaRefs>
-    <ds:schemaRef ds:uri="http://schemas.microsoft.com/office/2006/metadata/contentType"/>
-    <ds:schemaRef ds:uri="http://schemas.microsoft.com/office/2006/metadata/properties/metaAttributes"/>
-    <ds:schemaRef ds:uri="http://www.w3.org/2001/XMLSchema"/>
-    <ds:schemaRef ds:uri="http://schemas.microsoft.com/office/2006/metadata/properties"/>
-    <ds:schemaRef ds:uri="71af3243-3dd4-4a8d-8c0d-dd76da1f02a5"/>
-    <ds:schemaRef ds:uri="16c05727-aa75-4e4a-9b5f-8a80a1165891"/>
-    <ds:schemaRef ds:uri="http://schemas.microsoft.com/office/2006/documentManagement/types"/>
-    <ds:schemaRef ds:uri="http://schemas.microsoft.com/office/infopath/2007/PartnerControls"/>
-    <ds:schemaRef ds:uri="http://schemas.openxmlformats.org/package/2006/metadata/core-properties"/>
-    <ds:schemaRef ds:uri="http://purl.org/dc/elements/1.1/"/>
-    <ds:schemaRef ds:uri="http://purl.org/dc/terms/"/>
-    <ds:schemaRef ds:uri="http://schemas.microsoft.com/internal/obd"/>
+    <ds:schemaRef ds:uri="http://schemas.microsoft.com/sharepoint/v3/contenttype/forms"/>
   </ds:schemaRefs>
 </ds:datastoreItem>
 </file>